--- a/docs/jp/tutorial_test_pc.pptx
+++ b/docs/jp/tutorial_test_pc.pptx
@@ -42,6 +42,11 @@
     <p:sldId id="287" r:id="rId37"/>
     <p:sldId id="288" r:id="rId38"/>
     <p:sldId id="289" r:id="rId39"/>
+    <p:sldId id="290" r:id="rId40"/>
+    <p:sldId id="291" r:id="rId41"/>
+    <p:sldId id="292" r:id="rId42"/>
+    <p:sldId id="293" r:id="rId43"/>
+    <p:sldId id="294" r:id="rId44"/>
   </p:sldIdLst>
   <p:sldSz cx="10080625" cy="7559675"/>
   <p:notesSz cx="7559675" cy="10691812"/>
@@ -18465,7 +18470,21 @@
                 </a:uFill>
                 <a:latin typeface="Meiryo UI"/>
               </a:rPr>
-              <a:t>ファイヤーウォールの許可</a:t>
+              <a:t>PowerShell </a:t>
+            </a:r>
+            <a:r>
+              <a:rPr b="0" lang="en-US" sz="2800" spc="-1" strike="noStrike">
+                <a:solidFill>
+                  <a:srgbClr val="000000"/>
+                </a:solidFill>
+                <a:uFill>
+                  <a:solidFill>
+                    <a:srgbClr val="ffffff"/>
+                  </a:solidFill>
+                </a:uFill>
+                <a:latin typeface="Meiryo UI"/>
+              </a:rPr>
+              <a:t>から以下のコマンドでファイヤーウォールの無効化設定をします</a:t>
             </a:r>
             <a:endParaRPr b="0" lang="en-US" sz="2800" spc="-1" strike="noStrike">
               <a:solidFill>
@@ -18500,7 +18519,7 @@
                 </a:uFill>
                 <a:latin typeface="Meiryo UI"/>
               </a:rPr>
-              <a:t>サーバーマネージャーを開き、「</a:t>
+              <a:t>ファイアウォール無効化</a:t>
             </a:r>
             <a:r>
               <a:rPr b="0" lang="en-US" sz="2400" spc="-1" strike="noStrike">
@@ -18514,7 +18533,8 @@
                 </a:uFill>
                 <a:latin typeface="Meiryo UI"/>
               </a:rPr>
-              <a:t>Windows </a:t>
+              <a:t>
+</a:t>
             </a:r>
             <a:r>
               <a:rPr b="0" lang="en-US" sz="2400" spc="-1" strike="noStrike">
@@ -18528,9 +18548,44 @@
                 </a:uFill>
                 <a:latin typeface="Meiryo UI"/>
               </a:rPr>
-              <a:t>ファイアウォール」 の設定をクリックして許可設定をします</a:t>
+              <a:t>Get-NetFirewallProfile | Set-NetFirewallProfile -Enabled false</a:t>
             </a:r>
             <a:endParaRPr b="0" lang="en-US" sz="2400" spc="-1" strike="noStrike">
+              <a:solidFill>
+                <a:srgbClr val="000000"/>
+              </a:solidFill>
+              <a:uFill>
+                <a:solidFill>
+                  <a:srgbClr val="ffffff"/>
+                </a:solidFill>
+              </a:uFill>
+              <a:latin typeface="Meiryo UI"/>
+            </a:endParaRPr>
+          </a:p>
+          <a:p>
+            <a:pPr lvl="1" marL="864000" indent="-324000">
+              <a:buClr>
+                <a:srgbClr val="000000"/>
+              </a:buClr>
+              <a:buSzPct val="75000"/>
+              <a:buFont typeface="Symbol" charset="2"/>
+              <a:buChar char=""/>
+            </a:pPr>
+            <a:r>
+              <a:rPr b="0" lang="en-US" sz="2800" spc="-1" strike="noStrike">
+                <a:solidFill>
+                  <a:srgbClr val="000000"/>
+                </a:solidFill>
+                <a:uFill>
+                  <a:solidFill>
+                    <a:srgbClr val="ffffff"/>
+                  </a:solidFill>
+                </a:uFill>
+                <a:latin typeface="Meiryo UI"/>
+              </a:rPr>
+              <a:t>検査終了後、基に戻す場合は以下コマンドで有効化設定をします</a:t>
+            </a:r>
+            <a:endParaRPr b="0" lang="en-US" sz="2800" spc="-1" strike="noStrike">
               <a:solidFill>
                 <a:srgbClr val="000000"/>
               </a:solidFill>
@@ -18563,7 +18618,7 @@
                 </a:uFill>
                 <a:latin typeface="Meiryo UI"/>
               </a:rPr>
-              <a:t>許可設定をしないと、”</a:t>
+              <a:t>ファイアウォール有効化</a:t>
             </a:r>
             <a:r>
               <a:rPr b="0" lang="en-US" sz="2400" spc="-1" strike="noStrike">
@@ -18577,7 +18632,8 @@
                 </a:uFill>
                 <a:latin typeface="Meiryo UI"/>
               </a:rPr>
-              <a:t>Get-WmiObject : RPC </a:t>
+              <a:t>
+</a:t>
             </a:r>
             <a:r>
               <a:rPr b="0" lang="en-US" sz="2400" spc="-1" strike="noStrike">
@@ -18591,7 +18647,7 @@
                 </a:uFill>
                 <a:latin typeface="Meiryo UI"/>
               </a:rPr>
-              <a:t>サーバーを利用できません” というエラーが発生します</a:t>
+              <a:t>Get-NetFirewallProfile | Set-NetFirewallProfile -Enabled true</a:t>
             </a:r>
             <a:endParaRPr b="0" lang="en-US" sz="2400" spc="-1" strike="noStrike">
               <a:solidFill>
@@ -18626,7 +18682,7 @@
                 </a:uFill>
                 <a:latin typeface="Meiryo UI"/>
               </a:rPr>
-              <a:t>PowerShell </a:t>
+              <a:t>GUI</a:t>
             </a:r>
             <a:r>
               <a:rPr b="0" lang="en-US" sz="2800" spc="-1" strike="noStrike">
@@ -18640,7 +18696,35 @@
                 </a:uFill>
                 <a:latin typeface="Meiryo UI"/>
               </a:rPr>
-              <a:t>で設定する場合、以下のコマンドで有効化の設定をします</a:t>
+              <a:t>で設定する場合、サーバーマネージャーを開き、「</a:t>
+            </a:r>
+            <a:r>
+              <a:rPr b="0" lang="en-US" sz="2800" spc="-1" strike="noStrike">
+                <a:solidFill>
+                  <a:srgbClr val="000000"/>
+                </a:solidFill>
+                <a:uFill>
+                  <a:solidFill>
+                    <a:srgbClr val="ffffff"/>
+                  </a:solidFill>
+                </a:uFill>
+                <a:latin typeface="Meiryo UI"/>
+              </a:rPr>
+              <a:t>Windows </a:t>
+            </a:r>
+            <a:r>
+              <a:rPr b="0" lang="en-US" sz="2800" spc="-1" strike="noStrike">
+                <a:solidFill>
+                  <a:srgbClr val="000000"/>
+                </a:solidFill>
+                <a:uFill>
+                  <a:solidFill>
+                    <a:srgbClr val="ffffff"/>
+                  </a:solidFill>
+                </a:uFill>
+                <a:latin typeface="Meiryo UI"/>
+              </a:rPr>
+              <a:t>ファイアウォール」 の設定をクリックして許可設定をします</a:t>
             </a:r>
             <a:endParaRPr b="0" lang="en-US" sz="2800" spc="-1" strike="noStrike">
               <a:solidFill>
@@ -18655,122 +18739,85 @@
             </a:endParaRPr>
           </a:p>
           <a:p>
-            <a:pPr lvl="2" marL="1296000" indent="-288000">
+            <a:pPr lvl="1" marL="864000" indent="-324000">
               <a:buClr>
                 <a:srgbClr val="000000"/>
               </a:buClr>
-              <a:buSzPct val="45000"/>
-              <a:buFont typeface="Wingdings" charset="2"/>
-              <a:buChar char=""/>
+              <a:buSzPct val="75000"/>
+              <a:buFont typeface="Symbol" charset="2"/>
+              <a:buChar char=""/>
             </a:pPr>
             <a:r>
-              <a:rPr b="0" lang="en-US" sz="2400" spc="-1" strike="noStrike">
-                <a:solidFill>
-                  <a:srgbClr val="000000"/>
-                </a:solidFill>
-                <a:uFill>
-                  <a:solidFill>
-                    <a:srgbClr val="ffffff"/>
-                  </a:solidFill>
-                </a:uFill>
-                <a:latin typeface="Meiryo UI"/>
-              </a:rPr>
-              <a:t>ファイアウォール無効化</a:t>
-            </a:r>
-            <a:r>
-              <a:rPr b="0" lang="en-US" sz="2400" spc="-1" strike="noStrike">
-                <a:solidFill>
-                  <a:srgbClr val="000000"/>
-                </a:solidFill>
-                <a:uFill>
-                  <a:solidFill>
-                    <a:srgbClr val="ffffff"/>
-                  </a:solidFill>
-                </a:uFill>
-                <a:latin typeface="Meiryo UI"/>
-              </a:rPr>
-              <a:t>
-</a:t>
-            </a:r>
-            <a:r>
-              <a:rPr b="0" lang="en-US" sz="2400" spc="-1" strike="noStrike">
-                <a:solidFill>
-                  <a:srgbClr val="000000"/>
-                </a:solidFill>
-                <a:uFill>
-                  <a:solidFill>
-                    <a:srgbClr val="ffffff"/>
-                  </a:solidFill>
-                </a:uFill>
-                <a:latin typeface="Meiryo UI"/>
-              </a:rPr>
-              <a:t>Get-NetFirewallProfile | Set-NetFirewallProfile -Enabled false</a:t>
-            </a:r>
-            <a:endParaRPr b="0" lang="en-US" sz="2400" spc="-1" strike="noStrike">
-              <a:solidFill>
-                <a:srgbClr val="000000"/>
-              </a:solidFill>
-              <a:uFill>
-                <a:solidFill>
-                  <a:srgbClr val="ffffff"/>
-                </a:solidFill>
-              </a:uFill>
-              <a:latin typeface="Meiryo UI"/>
-            </a:endParaRPr>
-          </a:p>
-          <a:p>
-            <a:pPr lvl="2" marL="1296000" indent="-288000">
-              <a:buClr>
-                <a:srgbClr val="000000"/>
-              </a:buClr>
-              <a:buSzPct val="45000"/>
-              <a:buFont typeface="Wingdings" charset="2"/>
-              <a:buChar char=""/>
-            </a:pPr>
-            <a:r>
-              <a:rPr b="0" lang="en-US" sz="2400" spc="-1" strike="noStrike">
-                <a:solidFill>
-                  <a:srgbClr val="000000"/>
-                </a:solidFill>
-                <a:uFill>
-                  <a:solidFill>
-                    <a:srgbClr val="ffffff"/>
-                  </a:solidFill>
-                </a:uFill>
-                <a:latin typeface="Meiryo UI"/>
-              </a:rPr>
-              <a:t>ファイアウォール有効化</a:t>
-            </a:r>
-            <a:r>
-              <a:rPr b="0" lang="en-US" sz="2400" spc="-1" strike="noStrike">
-                <a:solidFill>
-                  <a:srgbClr val="000000"/>
-                </a:solidFill>
-                <a:uFill>
-                  <a:solidFill>
-                    <a:srgbClr val="ffffff"/>
-                  </a:solidFill>
-                </a:uFill>
-                <a:latin typeface="Meiryo UI"/>
-              </a:rPr>
-              <a:t>
-</a:t>
-            </a:r>
-            <a:r>
-              <a:rPr b="0" lang="en-US" sz="2400" spc="-1" strike="noStrike">
-                <a:solidFill>
-                  <a:srgbClr val="000000"/>
-                </a:solidFill>
-                <a:uFill>
-                  <a:solidFill>
-                    <a:srgbClr val="ffffff"/>
-                  </a:solidFill>
-                </a:uFill>
-                <a:latin typeface="Meiryo UI"/>
-              </a:rPr>
-              <a:t>Get-NetFirewallProfile | Set-NetFirewallProfile -Enabled true</a:t>
-            </a:r>
-            <a:endParaRPr b="0" lang="en-US" sz="2400" spc="-1" strike="noStrike">
+              <a:rPr b="0" lang="en-US" sz="2800" spc="-1" strike="noStrike">
+                <a:solidFill>
+                  <a:srgbClr val="000000"/>
+                </a:solidFill>
+                <a:uFill>
+                  <a:solidFill>
+                    <a:srgbClr val="ffffff"/>
+                  </a:solidFill>
+                </a:uFill>
+                <a:latin typeface="Meiryo UI"/>
+              </a:rPr>
+              <a:t>許可設定をしないと、</a:t>
+            </a:r>
+            <a:r>
+              <a:rPr b="0" lang="en-US" sz="2800" spc="-1" strike="noStrike">
+                <a:solidFill>
+                  <a:srgbClr val="000000"/>
+                </a:solidFill>
+                <a:uFill>
+                  <a:solidFill>
+                    <a:srgbClr val="ffffff"/>
+                  </a:solidFill>
+                </a:uFill>
+                <a:latin typeface="Meiryo UI"/>
+              </a:rPr>
+              <a:t>getconfig </a:t>
+            </a:r>
+            <a:r>
+              <a:rPr b="0" lang="en-US" sz="2800" spc="-1" strike="noStrike">
+                <a:solidFill>
+                  <a:srgbClr val="000000"/>
+                </a:solidFill>
+                <a:uFill>
+                  <a:solidFill>
+                    <a:srgbClr val="ffffff"/>
+                  </a:solidFill>
+                </a:uFill>
+                <a:latin typeface="Meiryo UI"/>
+              </a:rPr>
+              <a:t>実行時に、”</a:t>
+            </a:r>
+            <a:r>
+              <a:rPr b="0" lang="en-US" sz="2800" spc="-1" strike="noStrike">
+                <a:solidFill>
+                  <a:srgbClr val="000000"/>
+                </a:solidFill>
+                <a:uFill>
+                  <a:solidFill>
+                    <a:srgbClr val="ffffff"/>
+                  </a:solidFill>
+                </a:uFill>
+                <a:latin typeface="Meiryo UI"/>
+              </a:rPr>
+              <a:t>Get-WmiObject : RPC </a:t>
+            </a:r>
+            <a:r>
+              <a:rPr b="0" lang="en-US" sz="2800" spc="-1" strike="noStrike">
+                <a:solidFill>
+                  <a:srgbClr val="000000"/>
+                </a:solidFill>
+                <a:uFill>
+                  <a:solidFill>
+                    <a:srgbClr val="ffffff"/>
+                  </a:solidFill>
+                </a:uFill>
+                <a:latin typeface="Meiryo UI"/>
+              </a:rPr>
+              <a:t>サーバーを利用できません” というエラーが発生します</a:t>
+            </a:r>
+            <a:endParaRPr b="0" lang="en-US" sz="2800" spc="-1" strike="noStrike">
               <a:solidFill>
                 <a:srgbClr val="000000"/>
               </a:solidFill>
@@ -18793,7 +18840,7 @@
         <p:spPr>
           <a:xfrm>
             <a:off x="360000" y="1656000"/>
-            <a:ext cx="6102720" cy="373680"/>
+            <a:ext cx="5749200" cy="373680"/>
           </a:xfrm>
           <a:prstGeom prst="rect">
             <a:avLst/>
@@ -18854,7 +18901,7 @@
                 </a:uFill>
                 <a:latin typeface="Arial"/>
               </a:rPr>
-              <a:t>環境で以下の設定が必要です</a:t>
+              <a:t>環境で以下の設定をします</a:t>
             </a:r>
             <a:endParaRPr b="0" lang="en-US" sz="1800" spc="-1" strike="noStrike">
               <a:solidFill>
@@ -19613,7 +19660,7 @@
                 </a:uFill>
                 <a:latin typeface="Meiryo UI"/>
               </a:rPr>
-              <a:t>Windows </a:t>
+              <a:t>Windows Server 2012 </a:t>
             </a:r>
             <a:r>
               <a:rPr b="0" lang="en-US" sz="2800" spc="-1" strike="noStrike">
@@ -19627,7 +19674,7 @@
                 </a:uFill>
                 <a:latin typeface="Meiryo UI"/>
               </a:rPr>
-              <a:t>環境により、</a:t>
+              <a:t>より前の</a:t>
             </a:r>
             <a:r>
               <a:rPr b="0" lang="en-US" sz="2800" spc="-1" strike="noStrike">
@@ -19641,6 +19688,34 @@
                 </a:uFill>
                 <a:latin typeface="Meiryo UI"/>
               </a:rPr>
+              <a:t>OS</a:t>
+            </a:r>
+            <a:r>
+              <a:rPr b="0" lang="en-US" sz="2800" spc="-1" strike="noStrike">
+                <a:solidFill>
+                  <a:srgbClr val="000000"/>
+                </a:solidFill>
+                <a:uFill>
+                  <a:solidFill>
+                    <a:srgbClr val="ffffff"/>
+                  </a:solidFill>
+                </a:uFill>
+                <a:latin typeface="Meiryo UI"/>
+              </a:rPr>
+              <a:t>では、</a:t>
+            </a:r>
+            <a:r>
+              <a:rPr b="0" lang="en-US" sz="2800" spc="-1" strike="noStrike">
+                <a:solidFill>
+                  <a:srgbClr val="000000"/>
+                </a:solidFill>
+                <a:uFill>
+                  <a:solidFill>
+                    <a:srgbClr val="ffffff"/>
+                  </a:solidFill>
+                </a:uFill>
+                <a:latin typeface="Meiryo UI"/>
+              </a:rPr>
               <a:t>PowerShell </a:t>
             </a:r>
             <a:r>
@@ -19655,9 +19730,58 @@
                 </a:uFill>
                 <a:latin typeface="Meiryo UI"/>
               </a:rPr>
-              <a:t>のリモートアクセス許可が有効化されていない 場合があります</a:t>
+              <a:t>のリモートアクセス許可が無効化されている場合があります</a:t>
             </a:r>
             <a:endParaRPr b="0" lang="en-US" sz="2800" spc="-1" strike="noStrike">
+              <a:solidFill>
+                <a:srgbClr val="000000"/>
+              </a:solidFill>
+              <a:uFill>
+                <a:solidFill>
+                  <a:srgbClr val="ffffff"/>
+                </a:solidFill>
+              </a:uFill>
+              <a:latin typeface="Meiryo UI"/>
+            </a:endParaRPr>
+          </a:p>
+          <a:p>
+            <a:pPr lvl="2" marL="1296000" indent="-288000">
+              <a:buClr>
+                <a:srgbClr val="000000"/>
+              </a:buClr>
+              <a:buSzPct val="45000"/>
+              <a:buFont typeface="Wingdings" charset="2"/>
+              <a:buChar char=""/>
+            </a:pPr>
+            <a:r>
+              <a:rPr b="0" lang="en-US" sz="2400" spc="-1" strike="noStrike">
+                <a:solidFill>
+                  <a:srgbClr val="000000"/>
+                </a:solidFill>
+                <a:uFill>
+                  <a:solidFill>
+                    <a:srgbClr val="ffffff"/>
+                  </a:solidFill>
+                </a:uFill>
+                <a:latin typeface="Meiryo UI"/>
+              </a:rPr>
+              <a:t>Windows Server 2012 R2 </a:t>
+            </a:r>
+            <a:r>
+              <a:rPr b="0" lang="en-US" sz="2400" spc="-1" strike="noStrike">
+                <a:solidFill>
+                  <a:srgbClr val="000000"/>
+                </a:solidFill>
+                <a:uFill>
+                  <a:solidFill>
+                    <a:srgbClr val="ffffff"/>
+                  </a:solidFill>
+                </a:uFill>
+                <a:latin typeface="Meiryo UI"/>
+              </a:rPr>
+              <a:t>以上の場合、リモートアクセス許可の既定値は有効化です</a:t>
+            </a:r>
+            <a:endParaRPr b="0" lang="en-US" sz="2400" spc="-1" strike="noStrike">
               <a:solidFill>
                 <a:srgbClr val="000000"/>
               </a:solidFill>
@@ -19804,160 +19928,6 @@
               <a:buFont typeface="Symbol" charset="2"/>
               <a:buChar char=""/>
             </a:pPr>
-            <a:r>
-              <a:rPr b="0" lang="en-US" sz="2800" spc="-1" strike="noStrike">
-                <a:solidFill>
-                  <a:srgbClr val="000000"/>
-                </a:solidFill>
-                <a:uFill>
-                  <a:solidFill>
-                    <a:srgbClr val="ffffff"/>
-                  </a:solidFill>
-                </a:uFill>
-                <a:latin typeface="Meiryo UI"/>
-              </a:rPr>
-              <a:t>「認識されないネットワーク」があり、</a:t>
-            </a:r>
-            <a:r>
-              <a:rPr b="0" lang="en-US" sz="2800" spc="-1" strike="noStrike">
-                <a:solidFill>
-                  <a:srgbClr val="000000"/>
-                </a:solidFill>
-                <a:uFill>
-                  <a:solidFill>
-                    <a:srgbClr val="ffffff"/>
-                  </a:solidFill>
-                </a:uFill>
-                <a:latin typeface="Meiryo UI"/>
-              </a:rPr>
-              <a:t>Public</a:t>
-            </a:r>
-            <a:r>
-              <a:rPr b="0" lang="en-US" sz="2800" spc="-1" strike="noStrike">
-                <a:solidFill>
-                  <a:srgbClr val="000000"/>
-                </a:solidFill>
-                <a:uFill>
-                  <a:solidFill>
-                    <a:srgbClr val="ffffff"/>
-                  </a:solidFill>
-                </a:uFill>
-                <a:latin typeface="Meiryo UI"/>
-              </a:rPr>
-              <a:t>として設定されている場合、 「</a:t>
-            </a:r>
-            <a:r>
-              <a:rPr b="0" lang="en-US" sz="2800" spc="-1" strike="noStrike">
-                <a:solidFill>
-                  <a:srgbClr val="000000"/>
-                </a:solidFill>
-                <a:uFill>
-                  <a:solidFill>
-                    <a:srgbClr val="ffffff"/>
-                  </a:solidFill>
-                </a:uFill>
-                <a:latin typeface="Meiryo UI"/>
-              </a:rPr>
-              <a:t>Public </a:t>
-            </a:r>
-            <a:r>
-              <a:rPr b="0" lang="en-US" sz="2800" spc="-1" strike="noStrike">
-                <a:solidFill>
-                  <a:srgbClr val="000000"/>
-                </a:solidFill>
-                <a:uFill>
-                  <a:solidFill>
-                    <a:srgbClr val="ffffff"/>
-                  </a:solidFill>
-                </a:uFill>
-                <a:latin typeface="Meiryo UI"/>
-              </a:rPr>
-              <a:t>に設定されているため、</a:t>
-            </a:r>
-            <a:r>
-              <a:rPr b="0" lang="en-US" sz="2800" spc="-1" strike="noStrike">
-                <a:solidFill>
-                  <a:srgbClr val="000000"/>
-                </a:solidFill>
-                <a:uFill>
-                  <a:solidFill>
-                    <a:srgbClr val="ffffff"/>
-                  </a:solidFill>
-                </a:uFill>
-                <a:latin typeface="Meiryo UI"/>
-              </a:rPr>
-              <a:t>WinRM </a:t>
-            </a:r>
-            <a:r>
-              <a:rPr b="0" lang="en-US" sz="2800" spc="-1" strike="noStrike">
-                <a:solidFill>
-                  <a:srgbClr val="000000"/>
-                </a:solidFill>
-                <a:uFill>
-                  <a:solidFill>
-                    <a:srgbClr val="ffffff"/>
-                  </a:solidFill>
-                </a:uFill>
-                <a:latin typeface="Meiryo UI"/>
-              </a:rPr>
-              <a:t>ファイアウォール例外は機能しません。 ネットワーク接続の種類を </a:t>
-            </a:r>
-            <a:r>
-              <a:rPr b="0" lang="en-US" sz="2800" spc="-1" strike="noStrike">
-                <a:solidFill>
-                  <a:srgbClr val="000000"/>
-                </a:solidFill>
-                <a:uFill>
-                  <a:solidFill>
-                    <a:srgbClr val="ffffff"/>
-                  </a:solidFill>
-                </a:uFill>
-                <a:latin typeface="Meiryo UI"/>
-              </a:rPr>
-              <a:t>Domain </a:t>
-            </a:r>
-            <a:r>
-              <a:rPr b="0" lang="en-US" sz="2800" spc="-1" strike="noStrike">
-                <a:solidFill>
-                  <a:srgbClr val="000000"/>
-                </a:solidFill>
-                <a:uFill>
-                  <a:solidFill>
-                    <a:srgbClr val="ffffff"/>
-                  </a:solidFill>
-                </a:uFill>
-                <a:latin typeface="Meiryo UI"/>
-              </a:rPr>
-              <a:t>または </a:t>
-            </a:r>
-            <a:r>
-              <a:rPr b="0" lang="en-US" sz="2800" spc="-1" strike="noStrike">
-                <a:solidFill>
-                  <a:srgbClr val="000000"/>
-                </a:solidFill>
-                <a:uFill>
-                  <a:solidFill>
-                    <a:srgbClr val="ffffff"/>
-                  </a:solidFill>
-                </a:uFill>
-                <a:latin typeface="Meiryo UI"/>
-              </a:rPr>
-              <a:t>Private </a:t>
-            </a:r>
-            <a:r>
-              <a:rPr b="0" lang="en-US" sz="2800" spc="-1" strike="noStrike">
-                <a:solidFill>
-                  <a:srgbClr val="000000"/>
-                </a:solidFill>
-                <a:uFill>
-                  <a:solidFill>
-                    <a:srgbClr val="ffffff"/>
-                  </a:solidFill>
-                </a:uFill>
-                <a:latin typeface="Meiryo UI"/>
-              </a:rPr>
-              <a:t>に変更して、やり直してください。 」 というメッセージが出力され、失敗する場合があります</a:t>
-            </a:r>
             <a:endParaRPr b="0" lang="en-US" sz="2800" spc="-1" strike="noStrike">
               <a:solidFill>
                 <a:srgbClr val="000000"/>
@@ -19991,7 +19961,35 @@
                 </a:uFill>
                 <a:latin typeface="Meiryo UI"/>
               </a:rPr>
-              <a:t>その場合、以下のオプションを 追加して有効化を試してください</a:t>
+              <a:t>また、「認識されないネットワーク」があり、</a:t>
+            </a:r>
+            <a:r>
+              <a:rPr b="0" lang="en-US" sz="2800" spc="-1" strike="noStrike">
+                <a:solidFill>
+                  <a:srgbClr val="000000"/>
+                </a:solidFill>
+                <a:uFill>
+                  <a:solidFill>
+                    <a:srgbClr val="ffffff"/>
+                  </a:solidFill>
+                </a:uFill>
+                <a:latin typeface="Meiryo UI"/>
+              </a:rPr>
+              <a:t>Public</a:t>
+            </a:r>
+            <a:r>
+              <a:rPr b="0" lang="en-US" sz="2800" spc="-1" strike="noStrike">
+                <a:solidFill>
+                  <a:srgbClr val="000000"/>
+                </a:solidFill>
+                <a:uFill>
+                  <a:solidFill>
+                    <a:srgbClr val="ffffff"/>
+                  </a:solidFill>
+                </a:uFill>
+                <a:latin typeface="Meiryo UI"/>
+              </a:rPr>
+              <a:t>として設定されている場合、以下のオプションを 追加して有効化を試してください</a:t>
             </a:r>
             <a:endParaRPr b="0" lang="en-US" sz="2800" spc="-1" strike="noStrike">
               <a:solidFill>
@@ -20049,6 +20047,27 @@
               <a:buFont typeface="Symbol" charset="2"/>
               <a:buChar char=""/>
             </a:pPr>
+            <a:endParaRPr b="0" lang="en-US" sz="2800" spc="-1" strike="noStrike">
+              <a:solidFill>
+                <a:srgbClr val="000000"/>
+              </a:solidFill>
+              <a:uFill>
+                <a:solidFill>
+                  <a:srgbClr val="ffffff"/>
+                </a:solidFill>
+              </a:uFill>
+              <a:latin typeface="Meiryo UI"/>
+            </a:endParaRPr>
+          </a:p>
+          <a:p>
+            <a:pPr lvl="1" marL="864000" indent="-324000">
+              <a:buClr>
+                <a:srgbClr val="000000"/>
+              </a:buClr>
+              <a:buSzPct val="75000"/>
+              <a:buFont typeface="Symbol" charset="2"/>
+              <a:buChar char=""/>
+            </a:pPr>
             <a:r>
               <a:rPr b="0" lang="en-US" sz="2800" spc="-1" strike="noStrike">
                 <a:solidFill>
@@ -20061,7 +20080,7 @@
                 </a:uFill>
                 <a:latin typeface="Meiryo UI"/>
               </a:rPr>
-              <a:t>Windows Server 2012 R2 </a:t>
+              <a:t>オプションを指定しない場合、「</a:t>
             </a:r>
             <a:r>
               <a:rPr b="0" lang="en-US" sz="2800" spc="-1" strike="noStrike">
@@ -20075,30 +20094,107 @@
                 </a:uFill>
                 <a:latin typeface="Meiryo UI"/>
               </a:rPr>
-              <a:t>以上の場合、リモートアクセス許可の既定値は有効化です</a:t>
+              <a:t>Public </a:t>
+            </a:r>
+            <a:r>
+              <a:rPr b="0" lang="en-US" sz="2800" spc="-1" strike="noStrike">
+                <a:solidFill>
+                  <a:srgbClr val="000000"/>
+                </a:solidFill>
+                <a:uFill>
+                  <a:solidFill>
+                    <a:srgbClr val="ffffff"/>
+                  </a:solidFill>
+                </a:uFill>
+                <a:latin typeface="Meiryo UI"/>
+              </a:rPr>
+              <a:t>に設定されているため、</a:t>
+            </a:r>
+            <a:r>
+              <a:rPr b="0" lang="en-US" sz="2800" spc="-1" strike="noStrike">
+                <a:solidFill>
+                  <a:srgbClr val="000000"/>
+                </a:solidFill>
+                <a:uFill>
+                  <a:solidFill>
+                    <a:srgbClr val="ffffff"/>
+                  </a:solidFill>
+                </a:uFill>
+                <a:latin typeface="Meiryo UI"/>
+              </a:rPr>
+              <a:t>WinRM </a:t>
+            </a:r>
+            <a:r>
+              <a:rPr b="0" lang="en-US" sz="2800" spc="-1" strike="noStrike">
+                <a:solidFill>
+                  <a:srgbClr val="000000"/>
+                </a:solidFill>
+                <a:uFill>
+                  <a:solidFill>
+                    <a:srgbClr val="ffffff"/>
+                  </a:solidFill>
+                </a:uFill>
+                <a:latin typeface="Meiryo UI"/>
+              </a:rPr>
+              <a:t>ファイアウォール例外は機能しません。 ネットワーク接続の種類を </a:t>
+            </a:r>
+            <a:r>
+              <a:rPr b="0" lang="en-US" sz="2800" spc="-1" strike="noStrike">
+                <a:solidFill>
+                  <a:srgbClr val="000000"/>
+                </a:solidFill>
+                <a:uFill>
+                  <a:solidFill>
+                    <a:srgbClr val="ffffff"/>
+                  </a:solidFill>
+                </a:uFill>
+                <a:latin typeface="Meiryo UI"/>
+              </a:rPr>
+              <a:t>Domain </a:t>
+            </a:r>
+            <a:r>
+              <a:rPr b="0" lang="en-US" sz="2800" spc="-1" strike="noStrike">
+                <a:solidFill>
+                  <a:srgbClr val="000000"/>
+                </a:solidFill>
+                <a:uFill>
+                  <a:solidFill>
+                    <a:srgbClr val="ffffff"/>
+                  </a:solidFill>
+                </a:uFill>
+                <a:latin typeface="Meiryo UI"/>
+              </a:rPr>
+              <a:t>または </a:t>
+            </a:r>
+            <a:r>
+              <a:rPr b="0" lang="en-US" sz="2800" spc="-1" strike="noStrike">
+                <a:solidFill>
+                  <a:srgbClr val="000000"/>
+                </a:solidFill>
+                <a:uFill>
+                  <a:solidFill>
+                    <a:srgbClr val="ffffff"/>
+                  </a:solidFill>
+                </a:uFill>
+                <a:latin typeface="Meiryo UI"/>
+              </a:rPr>
+              <a:t>Private </a:t>
+            </a:r>
+            <a:r>
+              <a:rPr b="0" lang="en-US" sz="2800" spc="-1" strike="noStrike">
+                <a:solidFill>
+                  <a:srgbClr val="000000"/>
+                </a:solidFill>
+                <a:uFill>
+                  <a:solidFill>
+                    <a:srgbClr val="ffffff"/>
+                  </a:solidFill>
+                </a:uFill>
+                <a:latin typeface="Meiryo UI"/>
+              </a:rPr>
+              <a:t>に変更して、やり直してください。 」 というメッセージが出力され、失敗する場合があります</a:t>
             </a:r>
             <a:endParaRPr b="0" lang="en-US" sz="2800" spc="-1" strike="noStrike">
-              <a:solidFill>
-                <a:srgbClr val="000000"/>
-              </a:solidFill>
-              <a:uFill>
-                <a:solidFill>
-                  <a:srgbClr val="ffffff"/>
-                </a:solidFill>
-              </a:uFill>
-              <a:latin typeface="Meiryo UI"/>
-            </a:endParaRPr>
-          </a:p>
-          <a:p>
-            <a:pPr marL="432000" indent="-324000">
-              <a:buClr>
-                <a:srgbClr val="000000"/>
-              </a:buClr>
-              <a:buSzPct val="45000"/>
-              <a:buFont typeface="Wingdings" charset="2"/>
-              <a:buChar char=""/>
-            </a:pPr>
-            <a:endParaRPr b="0" lang="en-US" sz="3200" spc="-1" strike="noStrike">
               <a:solidFill>
                 <a:srgbClr val="000000"/>
               </a:solidFill>
@@ -22254,6 +22350,1721 @@
           <p:childTnLst>
             <p:seq>
               <p:cTn id="68" nodeType="mainSeq"/>
+              <p:prevCondLst>
+                <p:cond delay="0" evt="onPrev">
+                  <p:tgtEl>
+                    <p:sldTgt/>
+                  </p:tgtEl>
+                </p:cond>
+              </p:prevCondLst>
+              <p:nextCondLst>
+                <p:cond delay="0" evt="onNext">
+                  <p:tgtEl>
+                    <p:sldTgt/>
+                  </p:tgtEl>
+                </p:cond>
+              </p:nextCondLst>
+            </p:seq>
+          </p:childTnLst>
+        </p:cTn>
+      </p:par>
+    </p:tnLst>
+  </p:timing>
+</p:sld>
+</file>
+
+<file path=ppt/slides/slide35.xml><?xml version="1.0" encoding="utf-8"?>
+<p:sld xmlns:a="http://schemas.openxmlformats.org/drawingml/2006/main" xmlns:p="http://schemas.openxmlformats.org/presentationml/2006/main" xmlns:r="http://schemas.openxmlformats.org/officeDocument/2006/relationships" xmlns:p14="http://schemas.microsoft.com/office/powerpoint/2010/main" xmlns:p15="http://schemas.microsoft.com/office/powerpoint/2012/main" xmlns:mc="http://schemas.openxmlformats.org/markup-compatibility/2006">
+  <p:cSld>
+    <p:spTree>
+      <p:nvGrpSpPr>
+        <p:cNvPr id="1" name=""/>
+        <p:cNvGrpSpPr/>
+        <p:nvPr/>
+      </p:nvGrpSpPr>
+      <p:grpSpPr>
+        <a:xfrm>
+          <a:off x="0" y="0"/>
+          <a:ext cx="0" cy="0"/>
+          <a:chOff x="0" y="0"/>
+          <a:chExt cx="0" cy="0"/>
+        </a:xfrm>
+      </p:grpSpPr>
+      <p:sp>
+        <p:nvSpPr>
+          <p:cNvPr id="258" name="CustomShape 1"/>
+          <p:cNvSpPr/>
+          <p:nvPr/>
+        </p:nvSpPr>
+        <p:spPr>
+          <a:xfrm>
+            <a:off x="504000" y="301320"/>
+            <a:ext cx="9070920" cy="5850000"/>
+          </a:xfrm>
+          <a:prstGeom prst="rect">
+            <a:avLst/>
+          </a:prstGeom>
+          <a:noFill/>
+          <a:ln>
+            <a:noFill/>
+          </a:ln>
+        </p:spPr>
+        <p:style>
+          <a:lnRef idx="0"/>
+          <a:fillRef idx="0"/>
+          <a:effectRef idx="0"/>
+          <a:fontRef idx="minor"/>
+        </p:style>
+        <p:txBody>
+          <a:bodyPr lIns="0" rIns="0" tIns="0" bIns="0" anchor="ctr"/>
+          <a:p>
+            <a:pPr algn="ctr">
+              <a:lnSpc>
+                <a:spcPct val="100000"/>
+              </a:lnSpc>
+            </a:pPr>
+            <a:r>
+              <a:rPr b="0" lang="en-US" sz="4400" spc="-1" strike="noStrike">
+                <a:solidFill>
+                  <a:srgbClr val="000000"/>
+                </a:solidFill>
+                <a:uFill>
+                  <a:solidFill>
+                    <a:srgbClr val="ffffff"/>
+                  </a:solidFill>
+                </a:uFill>
+                <a:latin typeface="Arial"/>
+              </a:rPr>
+              <a:t>ESXi</a:t>
+            </a:r>
+            <a:r>
+              <a:rPr b="0" lang="en-US" sz="4400" spc="-1" strike="noStrike">
+                <a:solidFill>
+                  <a:srgbClr val="000000"/>
+                </a:solidFill>
+                <a:uFill>
+                  <a:solidFill>
+                    <a:srgbClr val="ffffff"/>
+                  </a:solidFill>
+                </a:uFill>
+                <a:latin typeface="Arial"/>
+              </a:rPr>
+              <a:t>ホストの検査</a:t>
+            </a:r>
+            <a:endParaRPr b="0" lang="en-US" sz="1800" spc="-1" strike="noStrike">
+              <a:solidFill>
+                <a:srgbClr val="000000"/>
+              </a:solidFill>
+              <a:uFill>
+                <a:solidFill>
+                  <a:srgbClr val="ffffff"/>
+                </a:solidFill>
+              </a:uFill>
+              <a:latin typeface="Arial"/>
+            </a:endParaRPr>
+          </a:p>
+        </p:txBody>
+      </p:sp>
+    </p:spTree>
+  </p:cSld>
+  <p:timing>
+    <p:tnLst>
+      <p:par>
+        <p:cTn id="69" dur="indefinite" restart="never" nodeType="tmRoot">
+          <p:childTnLst>
+            <p:seq>
+              <p:cTn id="70" nodeType="mainSeq"/>
+              <p:prevCondLst>
+                <p:cond delay="0" evt="onPrev">
+                  <p:tgtEl>
+                    <p:sldTgt/>
+                  </p:tgtEl>
+                </p:cond>
+              </p:prevCondLst>
+              <p:nextCondLst>
+                <p:cond delay="0" evt="onNext">
+                  <p:tgtEl>
+                    <p:sldTgt/>
+                  </p:tgtEl>
+                </p:cond>
+              </p:nextCondLst>
+            </p:seq>
+          </p:childTnLst>
+        </p:cTn>
+      </p:par>
+    </p:tnLst>
+  </p:timing>
+</p:sld>
+</file>
+
+<file path=ppt/slides/slide36.xml><?xml version="1.0" encoding="utf-8"?>
+<p:sld xmlns:a="http://schemas.openxmlformats.org/drawingml/2006/main" xmlns:p="http://schemas.openxmlformats.org/presentationml/2006/main" xmlns:r="http://schemas.openxmlformats.org/officeDocument/2006/relationships" xmlns:p14="http://schemas.microsoft.com/office/powerpoint/2010/main" xmlns:p15="http://schemas.microsoft.com/office/powerpoint/2012/main" xmlns:mc="http://schemas.openxmlformats.org/markup-compatibility/2006">
+  <p:cSld>
+    <p:spTree>
+      <p:nvGrpSpPr>
+        <p:cNvPr id="1" name=""/>
+        <p:cNvGrpSpPr/>
+        <p:nvPr/>
+      </p:nvGrpSpPr>
+      <p:grpSpPr>
+        <a:xfrm>
+          <a:off x="0" y="0"/>
+          <a:ext cx="0" cy="0"/>
+          <a:chOff x="0" y="0"/>
+          <a:chExt cx="0" cy="0"/>
+        </a:xfrm>
+      </p:grpSpPr>
+      <p:sp>
+        <p:nvSpPr>
+          <p:cNvPr id="259" name="CustomShape 1"/>
+          <p:cNvSpPr/>
+          <p:nvPr/>
+        </p:nvSpPr>
+        <p:spPr>
+          <a:xfrm>
+            <a:off x="504000" y="301320"/>
+            <a:ext cx="9070920" cy="1261440"/>
+          </a:xfrm>
+          <a:prstGeom prst="rect">
+            <a:avLst/>
+          </a:prstGeom>
+          <a:noFill/>
+          <a:ln>
+            <a:noFill/>
+          </a:ln>
+        </p:spPr>
+        <p:style>
+          <a:lnRef idx="0"/>
+          <a:fillRef idx="0"/>
+          <a:effectRef idx="0"/>
+          <a:fontRef idx="minor"/>
+        </p:style>
+        <p:txBody>
+          <a:bodyPr lIns="0" rIns="0" tIns="0" bIns="0" anchor="ctr"/>
+          <a:p>
+            <a:pPr algn="ctr">
+              <a:lnSpc>
+                <a:spcPct val="100000"/>
+              </a:lnSpc>
+            </a:pPr>
+            <a:r>
+              <a:rPr b="0" lang="en-US" sz="4400" spc="-1" strike="noStrike">
+                <a:solidFill>
+                  <a:srgbClr val="000000"/>
+                </a:solidFill>
+                <a:uFill>
+                  <a:solidFill>
+                    <a:srgbClr val="ffffff"/>
+                  </a:solidFill>
+                </a:uFill>
+                <a:latin typeface="Meiryo UI"/>
+                <a:ea typeface="DejaVu Sans"/>
+              </a:rPr>
+              <a:t>ESXi</a:t>
+            </a:r>
+            <a:r>
+              <a:rPr b="0" lang="en-US" sz="4400" spc="-1" strike="noStrike">
+                <a:solidFill>
+                  <a:srgbClr val="000000"/>
+                </a:solidFill>
+                <a:uFill>
+                  <a:solidFill>
+                    <a:srgbClr val="ffffff"/>
+                  </a:solidFill>
+                </a:uFill>
+                <a:latin typeface="Meiryo UI"/>
+                <a:ea typeface="DejaVu Sans"/>
+              </a:rPr>
+              <a:t>ホスト検査シート入力</a:t>
+            </a:r>
+            <a:endParaRPr b="0" lang="en-US" sz="1800" spc="-1" strike="noStrike">
+              <a:solidFill>
+                <a:srgbClr val="000000"/>
+              </a:solidFill>
+              <a:uFill>
+                <a:solidFill>
+                  <a:srgbClr val="ffffff"/>
+                </a:solidFill>
+              </a:uFill>
+              <a:latin typeface="Arial"/>
+            </a:endParaRPr>
+          </a:p>
+        </p:txBody>
+      </p:sp>
+      <p:sp>
+        <p:nvSpPr>
+          <p:cNvPr id="260" name="CustomShape 2"/>
+          <p:cNvSpPr/>
+          <p:nvPr/>
+        </p:nvSpPr>
+        <p:spPr>
+          <a:xfrm>
+            <a:off x="504000" y="1769040"/>
+            <a:ext cx="9070920" cy="1326600"/>
+          </a:xfrm>
+          <a:prstGeom prst="rect">
+            <a:avLst/>
+          </a:prstGeom>
+          <a:noFill/>
+          <a:ln>
+            <a:noFill/>
+          </a:ln>
+        </p:spPr>
+        <p:style>
+          <a:lnRef idx="0"/>
+          <a:fillRef idx="0"/>
+          <a:effectRef idx="0"/>
+          <a:fontRef idx="minor"/>
+        </p:style>
+        <p:txBody>
+          <a:bodyPr lIns="0" rIns="0" tIns="0" bIns="0"/>
+          <a:p>
+            <a:pPr marL="432000" indent="-323280">
+              <a:lnSpc>
+                <a:spcPct val="100000"/>
+              </a:lnSpc>
+              <a:buClr>
+                <a:srgbClr val="000000"/>
+              </a:buClr>
+              <a:buSzPct val="45000"/>
+              <a:buFont typeface="Wingdings" charset="2"/>
+              <a:buChar char=""/>
+            </a:pPr>
+            <a:r>
+              <a:rPr b="0" lang="en-US" sz="2000" spc="-1" strike="noStrike">
+                <a:solidFill>
+                  <a:srgbClr val="000000"/>
+                </a:solidFill>
+                <a:uFill>
+                  <a:solidFill>
+                    <a:srgbClr val="ffffff"/>
+                  </a:solidFill>
+                </a:uFill>
+                <a:latin typeface="Meiryo UI"/>
+                <a:ea typeface="DejaVu Sans"/>
+              </a:rPr>
+              <a:t>プロジェクトディレクトリに移動し、「サーバチェックシート</a:t>
+            </a:r>
+            <a:r>
+              <a:rPr b="0" lang="en-US" sz="2000" spc="-1" strike="noStrike">
+                <a:solidFill>
+                  <a:srgbClr val="000000"/>
+                </a:solidFill>
+                <a:uFill>
+                  <a:solidFill>
+                    <a:srgbClr val="ffffff"/>
+                  </a:solidFill>
+                </a:uFill>
+                <a:latin typeface="Meiryo UI"/>
+                <a:ea typeface="DejaVu Sans"/>
+              </a:rPr>
+              <a:t>.xlsx</a:t>
+            </a:r>
+            <a:r>
+              <a:rPr b="0" lang="en-US" sz="2000" spc="-1" strike="noStrike">
+                <a:solidFill>
+                  <a:srgbClr val="000000"/>
+                </a:solidFill>
+                <a:uFill>
+                  <a:solidFill>
+                    <a:srgbClr val="ffffff"/>
+                  </a:solidFill>
+                </a:uFill>
+                <a:latin typeface="Meiryo UI"/>
+                <a:ea typeface="DejaVu Sans"/>
+              </a:rPr>
+              <a:t>」を編集します</a:t>
+            </a:r>
+            <a:endParaRPr b="0" lang="en-US" sz="1800" spc="-1" strike="noStrike">
+              <a:solidFill>
+                <a:srgbClr val="000000"/>
+              </a:solidFill>
+              <a:uFill>
+                <a:solidFill>
+                  <a:srgbClr val="ffffff"/>
+                </a:solidFill>
+              </a:uFill>
+              <a:latin typeface="Arial"/>
+            </a:endParaRPr>
+          </a:p>
+          <a:p>
+            <a:pPr marL="432000" indent="-323280">
+              <a:lnSpc>
+                <a:spcPct val="100000"/>
+              </a:lnSpc>
+              <a:buClr>
+                <a:srgbClr val="000000"/>
+              </a:buClr>
+              <a:buSzPct val="45000"/>
+              <a:buFont typeface="Wingdings" charset="2"/>
+              <a:buChar char=""/>
+            </a:pPr>
+            <a:r>
+              <a:rPr b="0" lang="en-US" sz="2000" spc="-1" strike="noStrike">
+                <a:solidFill>
+                  <a:srgbClr val="000000"/>
+                </a:solidFill>
+                <a:uFill>
+                  <a:solidFill>
+                    <a:srgbClr val="ffffff"/>
+                  </a:solidFill>
+                </a:uFill>
+                <a:latin typeface="Meiryo UI"/>
+                <a:ea typeface="DejaVu Sans"/>
+              </a:rPr>
+              <a:t>シート「チェック対象」の入力列に 検査対象の </a:t>
+            </a:r>
+            <a:r>
+              <a:rPr b="0" lang="en-US" sz="2000" spc="-1" strike="noStrike">
+                <a:solidFill>
+                  <a:srgbClr val="000000"/>
+                </a:solidFill>
+                <a:uFill>
+                  <a:solidFill>
+                    <a:srgbClr val="ffffff"/>
+                  </a:solidFill>
+                </a:uFill>
+                <a:latin typeface="Meiryo UI"/>
+                <a:ea typeface="DejaVu Sans"/>
+              </a:rPr>
+              <a:t>ESXi </a:t>
+            </a:r>
+            <a:r>
+              <a:rPr b="0" lang="en-US" sz="2000" spc="-1" strike="noStrike">
+                <a:solidFill>
+                  <a:srgbClr val="000000"/>
+                </a:solidFill>
+                <a:uFill>
+                  <a:solidFill>
+                    <a:srgbClr val="ffffff"/>
+                  </a:solidFill>
+                </a:uFill>
+                <a:latin typeface="Meiryo UI"/>
+                <a:ea typeface="DejaVu Sans"/>
+              </a:rPr>
+              <a:t>ホストの情報を設定します</a:t>
+            </a:r>
+            <a:endParaRPr b="0" lang="en-US" sz="1800" spc="-1" strike="noStrike">
+              <a:solidFill>
+                <a:srgbClr val="000000"/>
+              </a:solidFill>
+              <a:uFill>
+                <a:solidFill>
+                  <a:srgbClr val="ffffff"/>
+                </a:solidFill>
+              </a:uFill>
+              <a:latin typeface="Arial"/>
+            </a:endParaRPr>
+          </a:p>
+          <a:p>
+            <a:pPr marL="432000" indent="-323280">
+              <a:lnSpc>
+                <a:spcPct val="100000"/>
+              </a:lnSpc>
+              <a:buClr>
+                <a:srgbClr val="000000"/>
+              </a:buClr>
+              <a:buSzPct val="45000"/>
+              <a:buFont typeface="Wingdings" charset="2"/>
+              <a:buChar char=""/>
+            </a:pPr>
+            <a:r>
+              <a:rPr b="0" lang="en-US" sz="2000" spc="-1" strike="noStrike">
+                <a:solidFill>
+                  <a:srgbClr val="000000"/>
+                </a:solidFill>
+                <a:uFill>
+                  <a:solidFill>
+                    <a:srgbClr val="ffffff"/>
+                  </a:solidFill>
+                </a:uFill>
+                <a:latin typeface="Meiryo UI"/>
+                <a:ea typeface="DejaVu Sans"/>
+              </a:rPr>
+              <a:t>はじめに「</a:t>
+            </a:r>
+            <a:r>
+              <a:rPr b="0" lang="en-US" sz="2000" spc="-1" strike="noStrike">
+                <a:solidFill>
+                  <a:srgbClr val="000000"/>
+                </a:solidFill>
+                <a:uFill>
+                  <a:solidFill>
+                    <a:srgbClr val="ffffff"/>
+                  </a:solidFill>
+                </a:uFill>
+                <a:latin typeface="Meiryo UI"/>
+                <a:ea typeface="DejaVu Sans"/>
+              </a:rPr>
+              <a:t>platform</a:t>
+            </a:r>
+            <a:r>
+              <a:rPr b="0" lang="en-US" sz="2000" spc="-1" strike="noStrike">
+                <a:solidFill>
+                  <a:srgbClr val="000000"/>
+                </a:solidFill>
+                <a:uFill>
+                  <a:solidFill>
+                    <a:srgbClr val="ffffff"/>
+                  </a:solidFill>
+                </a:uFill>
+                <a:latin typeface="Meiryo UI"/>
+                <a:ea typeface="DejaVu Sans"/>
+              </a:rPr>
+              <a:t>」に”</a:t>
+            </a:r>
+            <a:r>
+              <a:rPr b="0" lang="en-US" sz="2000" spc="-1" strike="noStrike">
+                <a:solidFill>
+                  <a:srgbClr val="000000"/>
+                </a:solidFill>
+                <a:uFill>
+                  <a:solidFill>
+                    <a:srgbClr val="ffffff"/>
+                  </a:solidFill>
+                </a:uFill>
+                <a:latin typeface="Meiryo UI"/>
+                <a:ea typeface="DejaVu Sans"/>
+              </a:rPr>
+              <a:t>VMHost”</a:t>
+            </a:r>
+            <a:r>
+              <a:rPr b="0" lang="en-US" sz="2000" spc="-1" strike="noStrike">
+                <a:solidFill>
+                  <a:srgbClr val="000000"/>
+                </a:solidFill>
+                <a:uFill>
+                  <a:solidFill>
+                    <a:srgbClr val="ffffff"/>
+                  </a:solidFill>
+                </a:uFill>
+                <a:latin typeface="Meiryo UI"/>
+                <a:ea typeface="DejaVu Sans"/>
+              </a:rPr>
+              <a:t>を選択してください</a:t>
+            </a:r>
+            <a:endParaRPr b="0" lang="en-US" sz="1800" spc="-1" strike="noStrike">
+              <a:solidFill>
+                <a:srgbClr val="000000"/>
+              </a:solidFill>
+              <a:uFill>
+                <a:solidFill>
+                  <a:srgbClr val="ffffff"/>
+                </a:solidFill>
+              </a:uFill>
+              <a:latin typeface="Arial"/>
+            </a:endParaRPr>
+          </a:p>
+          <a:p>
+            <a:pPr marL="432000" indent="-323280">
+              <a:lnSpc>
+                <a:spcPct val="100000"/>
+              </a:lnSpc>
+              <a:buClr>
+                <a:srgbClr val="000000"/>
+              </a:buClr>
+              <a:buSzPct val="45000"/>
+              <a:buFont typeface="Wingdings" charset="2"/>
+              <a:buChar char=""/>
+            </a:pPr>
+            <a:r>
+              <a:rPr b="0" lang="en-US" sz="2000" spc="-1" strike="noStrike">
+                <a:solidFill>
+                  <a:srgbClr val="000000"/>
+                </a:solidFill>
+                <a:uFill>
+                  <a:solidFill>
+                    <a:srgbClr val="ffffff"/>
+                  </a:solidFill>
+                </a:uFill>
+                <a:latin typeface="Meiryo UI"/>
+                <a:ea typeface="DejaVu Sans"/>
+              </a:rPr>
+              <a:t>「</a:t>
+            </a:r>
+            <a:r>
+              <a:rPr b="0" lang="en-US" sz="2000" spc="-1" strike="noStrike">
+                <a:solidFill>
+                  <a:srgbClr val="000000"/>
+                </a:solidFill>
+                <a:uFill>
+                  <a:solidFill>
+                    <a:srgbClr val="ffffff"/>
+                  </a:solidFill>
+                </a:uFill>
+                <a:latin typeface="Meiryo UI"/>
+                <a:ea typeface="DejaVu Sans"/>
+              </a:rPr>
+              <a:t>virtualization</a:t>
+            </a:r>
+            <a:r>
+              <a:rPr b="0" lang="en-US" sz="2000" spc="-1" strike="noStrike">
+                <a:solidFill>
+                  <a:srgbClr val="000000"/>
+                </a:solidFill>
+                <a:uFill>
+                  <a:solidFill>
+                    <a:srgbClr val="ffffff"/>
+                  </a:solidFill>
+                </a:uFill>
+                <a:latin typeface="Meiryo UI"/>
+                <a:ea typeface="DejaVu Sans"/>
+              </a:rPr>
+              <a:t>」は未記入のままにしてください</a:t>
+            </a:r>
+            <a:endParaRPr b="0" lang="en-US" sz="1800" spc="-1" strike="noStrike">
+              <a:solidFill>
+                <a:srgbClr val="000000"/>
+              </a:solidFill>
+              <a:uFill>
+                <a:solidFill>
+                  <a:srgbClr val="ffffff"/>
+                </a:solidFill>
+              </a:uFill>
+              <a:latin typeface="Arial"/>
+            </a:endParaRPr>
+          </a:p>
+          <a:p>
+            <a:pPr marL="432000" indent="-323280">
+              <a:lnSpc>
+                <a:spcPct val="100000"/>
+              </a:lnSpc>
+              <a:buClr>
+                <a:srgbClr val="000000"/>
+              </a:buClr>
+              <a:buSzPct val="45000"/>
+              <a:buFont typeface="Wingdings" charset="2"/>
+              <a:buChar char=""/>
+            </a:pPr>
+            <a:r>
+              <a:rPr b="0" lang="en-US" sz="2000" spc="-1" strike="noStrike">
+                <a:solidFill>
+                  <a:srgbClr val="000000"/>
+                </a:solidFill>
+                <a:uFill>
+                  <a:solidFill>
+                    <a:srgbClr val="ffffff"/>
+                  </a:solidFill>
+                </a:uFill>
+                <a:latin typeface="Meiryo UI"/>
+                <a:ea typeface="DejaVu Sans"/>
+              </a:rPr>
+              <a:t>各項目の入力手順は</a:t>
+            </a:r>
+            <a:r>
+              <a:rPr b="0" lang="en-US" sz="2000" spc="-1" strike="noStrike">
+                <a:solidFill>
+                  <a:srgbClr val="000000"/>
+                </a:solidFill>
+                <a:uFill>
+                  <a:solidFill>
+                    <a:srgbClr val="ffffff"/>
+                  </a:solidFill>
+                </a:uFill>
+                <a:latin typeface="Meiryo UI"/>
+                <a:ea typeface="DejaVu Sans"/>
+              </a:rPr>
+              <a:t>Linux</a:t>
+            </a:r>
+            <a:r>
+              <a:rPr b="0" lang="en-US" sz="2000" spc="-1" strike="noStrike">
+                <a:solidFill>
+                  <a:srgbClr val="000000"/>
+                </a:solidFill>
+                <a:uFill>
+                  <a:solidFill>
+                    <a:srgbClr val="ffffff"/>
+                  </a:solidFill>
+                </a:uFill>
+                <a:latin typeface="Meiryo UI"/>
+                <a:ea typeface="DejaVu Sans"/>
+              </a:rPr>
+              <a:t>検査と同じとなります</a:t>
+            </a:r>
+            <a:endParaRPr b="0" lang="en-US" sz="1800" spc="-1" strike="noStrike">
+              <a:solidFill>
+                <a:srgbClr val="000000"/>
+              </a:solidFill>
+              <a:uFill>
+                <a:solidFill>
+                  <a:srgbClr val="ffffff"/>
+                </a:solidFill>
+              </a:uFill>
+              <a:latin typeface="Arial"/>
+            </a:endParaRPr>
+          </a:p>
+          <a:p>
+            <a:pPr>
+              <a:lnSpc>
+                <a:spcPct val="100000"/>
+              </a:lnSpc>
+            </a:pPr>
+            <a:endParaRPr b="0" lang="en-US" sz="1800" spc="-1" strike="noStrike">
+              <a:solidFill>
+                <a:srgbClr val="000000"/>
+              </a:solidFill>
+              <a:uFill>
+                <a:solidFill>
+                  <a:srgbClr val="ffffff"/>
+                </a:solidFill>
+              </a:uFill>
+              <a:latin typeface="Arial"/>
+            </a:endParaRPr>
+          </a:p>
+          <a:p>
+            <a:pPr>
+              <a:lnSpc>
+                <a:spcPct val="100000"/>
+              </a:lnSpc>
+            </a:pPr>
+            <a:endParaRPr b="0" lang="en-US" sz="1800" spc="-1" strike="noStrike">
+              <a:solidFill>
+                <a:srgbClr val="000000"/>
+              </a:solidFill>
+              <a:uFill>
+                <a:solidFill>
+                  <a:srgbClr val="ffffff"/>
+                </a:solidFill>
+              </a:uFill>
+              <a:latin typeface="Arial"/>
+            </a:endParaRPr>
+          </a:p>
+        </p:txBody>
+      </p:sp>
+      <p:pic>
+        <p:nvPicPr>
+          <p:cNvPr id="261" name="" descr=""/>
+          <p:cNvPicPr/>
+          <p:nvPr/>
+        </p:nvPicPr>
+        <p:blipFill>
+          <a:blip r:embed="rId1"/>
+          <a:stretch/>
+        </p:blipFill>
+        <p:spPr>
+          <a:xfrm>
+            <a:off x="1005840" y="3398400"/>
+            <a:ext cx="4610160" cy="3729600"/>
+          </a:xfrm>
+          <a:prstGeom prst="rect">
+            <a:avLst/>
+          </a:prstGeom>
+          <a:ln w="36000">
+            <a:noFill/>
+          </a:ln>
+        </p:spPr>
+      </p:pic>
+    </p:spTree>
+  </p:cSld>
+  <p:timing>
+    <p:tnLst>
+      <p:par>
+        <p:cTn id="71" dur="indefinite" restart="never" nodeType="tmRoot">
+          <p:childTnLst>
+            <p:seq>
+              <p:cTn id="72" nodeType="mainSeq"/>
+              <p:prevCondLst>
+                <p:cond delay="0" evt="onPrev">
+                  <p:tgtEl>
+                    <p:sldTgt/>
+                  </p:tgtEl>
+                </p:cond>
+              </p:prevCondLst>
+              <p:nextCondLst>
+                <p:cond delay="0" evt="onNext">
+                  <p:tgtEl>
+                    <p:sldTgt/>
+                  </p:tgtEl>
+                </p:cond>
+              </p:nextCondLst>
+            </p:seq>
+          </p:childTnLst>
+        </p:cTn>
+      </p:par>
+    </p:tnLst>
+  </p:timing>
+</p:sld>
+</file>
+
+<file path=ppt/slides/slide37.xml><?xml version="1.0" encoding="utf-8"?>
+<p:sld xmlns:a="http://schemas.openxmlformats.org/drawingml/2006/main" xmlns:p="http://schemas.openxmlformats.org/presentationml/2006/main" xmlns:r="http://schemas.openxmlformats.org/officeDocument/2006/relationships" xmlns:p14="http://schemas.microsoft.com/office/powerpoint/2010/main" xmlns:p15="http://schemas.microsoft.com/office/powerpoint/2012/main" xmlns:mc="http://schemas.openxmlformats.org/markup-compatibility/2006">
+  <p:cSld>
+    <p:spTree>
+      <p:nvGrpSpPr>
+        <p:cNvPr id="1" name=""/>
+        <p:cNvGrpSpPr/>
+        <p:nvPr/>
+      </p:nvGrpSpPr>
+      <p:grpSpPr>
+        <a:xfrm>
+          <a:off x="0" y="0"/>
+          <a:ext cx="0" cy="0"/>
+          <a:chOff x="0" y="0"/>
+          <a:chExt cx="0" cy="0"/>
+        </a:xfrm>
+      </p:grpSpPr>
+      <p:sp>
+        <p:nvSpPr>
+          <p:cNvPr id="262" name="TextShape 1"/>
+          <p:cNvSpPr txBox="1"/>
+          <p:nvPr/>
+        </p:nvSpPr>
+        <p:spPr>
+          <a:xfrm>
+            <a:off x="504000" y="301320"/>
+            <a:ext cx="9072000" cy="1261800"/>
+          </a:xfrm>
+          <a:prstGeom prst="rect">
+            <a:avLst/>
+          </a:prstGeom>
+          <a:noFill/>
+          <a:ln>
+            <a:noFill/>
+          </a:ln>
+        </p:spPr>
+        <p:txBody>
+          <a:bodyPr lIns="0" rIns="0" tIns="0" bIns="0" anchor="ctr"/>
+          <a:p>
+            <a:pPr algn="ctr"/>
+            <a:r>
+              <a:rPr b="0" lang="en-US" sz="4400" spc="-1" strike="noStrike">
+                <a:solidFill>
+                  <a:srgbClr val="000000"/>
+                </a:solidFill>
+                <a:uFill>
+                  <a:solidFill>
+                    <a:srgbClr val="ffffff"/>
+                  </a:solidFill>
+                </a:uFill>
+                <a:latin typeface="Meiryo UI"/>
+              </a:rPr>
+              <a:t>config\config.groovy</a:t>
+            </a:r>
+            <a:r>
+              <a:rPr b="0" lang="en-US" sz="4400" spc="-1" strike="noStrike">
+                <a:solidFill>
+                  <a:srgbClr val="000000"/>
+                </a:solidFill>
+                <a:uFill>
+                  <a:solidFill>
+                    <a:srgbClr val="ffffff"/>
+                  </a:solidFill>
+                </a:uFill>
+                <a:latin typeface="Meiryo UI"/>
+              </a:rPr>
+              <a:t>の編集</a:t>
+            </a:r>
+            <a:endParaRPr b="0" lang="en-US" sz="4400" spc="-1" strike="noStrike">
+              <a:solidFill>
+                <a:srgbClr val="000000"/>
+              </a:solidFill>
+              <a:uFill>
+                <a:solidFill>
+                  <a:srgbClr val="ffffff"/>
+                </a:solidFill>
+              </a:uFill>
+              <a:latin typeface="Meiryo UI"/>
+            </a:endParaRPr>
+          </a:p>
+        </p:txBody>
+      </p:sp>
+      <p:sp>
+        <p:nvSpPr>
+          <p:cNvPr id="263" name="TextShape 2"/>
+          <p:cNvSpPr txBox="1"/>
+          <p:nvPr/>
+        </p:nvSpPr>
+        <p:spPr>
+          <a:xfrm>
+            <a:off x="504000" y="1683000"/>
+            <a:ext cx="9072000" cy="360000"/>
+          </a:xfrm>
+          <a:prstGeom prst="rect">
+            <a:avLst/>
+          </a:prstGeom>
+          <a:noFill/>
+          <a:ln>
+            <a:noFill/>
+          </a:ln>
+        </p:spPr>
+        <p:txBody>
+          <a:bodyPr lIns="0" rIns="0" tIns="0" bIns="0"/>
+          <a:p>
+            <a:pPr marL="432000" indent="-324000">
+              <a:buClr>
+                <a:srgbClr val="000000"/>
+              </a:buClr>
+              <a:buSzPct val="45000"/>
+              <a:buFont typeface="Wingdings" charset="2"/>
+              <a:buChar char=""/>
+            </a:pPr>
+            <a:r>
+              <a:rPr b="0" lang="en-US" sz="1800" spc="-1" strike="noStrike">
+                <a:solidFill>
+                  <a:srgbClr val="000000"/>
+                </a:solidFill>
+                <a:uFill>
+                  <a:solidFill>
+                    <a:srgbClr val="ffffff"/>
+                  </a:solidFill>
+                </a:uFill>
+                <a:latin typeface="Meiryo UI"/>
+              </a:rPr>
+              <a:t>notepad++</a:t>
+            </a:r>
+            <a:r>
+              <a:rPr b="0" lang="en-US" sz="1800" spc="-1" strike="noStrike">
+                <a:solidFill>
+                  <a:srgbClr val="000000"/>
+                </a:solidFill>
+                <a:uFill>
+                  <a:solidFill>
+                    <a:srgbClr val="ffffff"/>
+                  </a:solidFill>
+                </a:uFill>
+                <a:latin typeface="Meiryo UI"/>
+              </a:rPr>
+              <a:t>などで</a:t>
+            </a:r>
+            <a:r>
+              <a:rPr b="0" lang="en-US" sz="1800" spc="-1" strike="noStrike">
+                <a:solidFill>
+                  <a:srgbClr val="000000"/>
+                </a:solidFill>
+                <a:uFill>
+                  <a:solidFill>
+                    <a:srgbClr val="ffffff"/>
+                  </a:solidFill>
+                </a:uFill>
+                <a:latin typeface="Meiryo UI"/>
+              </a:rPr>
+              <a:t>config\config.groovy </a:t>
+            </a:r>
+            <a:r>
+              <a:rPr b="0" lang="en-US" sz="1800" spc="-1" strike="noStrike">
+                <a:solidFill>
+                  <a:srgbClr val="000000"/>
+                </a:solidFill>
+                <a:uFill>
+                  <a:solidFill>
+                    <a:srgbClr val="ffffff"/>
+                  </a:solidFill>
+                </a:uFill>
+                <a:latin typeface="Meiryo UI"/>
+              </a:rPr>
+              <a:t>を開き、以下の行の接続アカウント情報を編集します</a:t>
+            </a:r>
+            <a:endParaRPr b="0" lang="en-US" sz="1800" spc="-1" strike="noStrike">
+              <a:solidFill>
+                <a:srgbClr val="000000"/>
+              </a:solidFill>
+              <a:uFill>
+                <a:solidFill>
+                  <a:srgbClr val="ffffff"/>
+                </a:solidFill>
+              </a:uFill>
+              <a:latin typeface="Meiryo UI"/>
+            </a:endParaRPr>
+          </a:p>
+        </p:txBody>
+      </p:sp>
+      <p:sp>
+        <p:nvSpPr>
+          <p:cNvPr id="264" name="TextShape 3"/>
+          <p:cNvSpPr txBox="1"/>
+          <p:nvPr/>
+        </p:nvSpPr>
+        <p:spPr>
+          <a:xfrm>
+            <a:off x="864000" y="2115000"/>
+            <a:ext cx="3893040" cy="974160"/>
+          </a:xfrm>
+          <a:prstGeom prst="rect">
+            <a:avLst/>
+          </a:prstGeom>
+          <a:noFill/>
+          <a:ln w="36000">
+            <a:noFill/>
+          </a:ln>
+        </p:spPr>
+        <p:txBody>
+          <a:bodyPr lIns="90000" rIns="90000" tIns="45000" bIns="45000"/>
+          <a:p>
+            <a:r>
+              <a:rPr b="0" lang="en-US" sz="1400" spc="-1" strike="noStrike">
+                <a:solidFill>
+                  <a:srgbClr val="000000"/>
+                </a:solidFill>
+                <a:uFill>
+                  <a:solidFill>
+                    <a:srgbClr val="ffffff"/>
+                  </a:solidFill>
+                </a:uFill>
+                <a:latin typeface="ＭＳ ゴシック"/>
+              </a:rPr>
+              <a:t>// VMHost </a:t>
+            </a:r>
+            <a:r>
+              <a:rPr b="0" lang="en-US" sz="1400" spc="-1" strike="noStrike">
+                <a:solidFill>
+                  <a:srgbClr val="000000"/>
+                </a:solidFill>
+                <a:uFill>
+                  <a:solidFill>
+                    <a:srgbClr val="ffffff"/>
+                  </a:solidFill>
+                </a:uFill>
+                <a:latin typeface="ＭＳ ゴシック"/>
+              </a:rPr>
+              <a:t>接続情報</a:t>
+            </a:r>
+            <a:endParaRPr b="0" lang="en-US" sz="1400" spc="-1" strike="noStrike">
+              <a:solidFill>
+                <a:srgbClr val="000000"/>
+              </a:solidFill>
+              <a:uFill>
+                <a:solidFill>
+                  <a:srgbClr val="ffffff"/>
+                </a:solidFill>
+              </a:uFill>
+              <a:latin typeface="ＭＳ ゴシック"/>
+              <a:ea typeface="ＭＳ ゴシック"/>
+            </a:endParaRPr>
+          </a:p>
+          <a:p>
+            <a:endParaRPr b="0" lang="en-US" sz="1400" spc="-1" strike="noStrike">
+              <a:solidFill>
+                <a:srgbClr val="000000"/>
+              </a:solidFill>
+              <a:uFill>
+                <a:solidFill>
+                  <a:srgbClr val="ffffff"/>
+                </a:solidFill>
+              </a:uFill>
+              <a:latin typeface="ＭＳ ゴシック"/>
+              <a:ea typeface="ＭＳ ゴシック"/>
+            </a:endParaRPr>
+          </a:p>
+          <a:p>
+            <a:r>
+              <a:rPr b="0" lang="en-US" sz="1400" spc="-1" strike="noStrike">
+                <a:solidFill>
+                  <a:srgbClr val="000000"/>
+                </a:solidFill>
+                <a:uFill>
+                  <a:solidFill>
+                    <a:srgbClr val="ffffff"/>
+                  </a:solidFill>
+                </a:uFill>
+                <a:latin typeface="ＭＳ ゴシック"/>
+              </a:rPr>
+              <a:t>account.VMHost.Test.user      = 'root'</a:t>
+            </a:r>
+            <a:endParaRPr b="0" lang="en-US" sz="1400" spc="-1" strike="noStrike">
+              <a:solidFill>
+                <a:srgbClr val="000000"/>
+              </a:solidFill>
+              <a:uFill>
+                <a:solidFill>
+                  <a:srgbClr val="ffffff"/>
+                </a:solidFill>
+              </a:uFill>
+              <a:latin typeface="ＭＳ ゴシック"/>
+              <a:ea typeface="ＭＳ ゴシック"/>
+            </a:endParaRPr>
+          </a:p>
+          <a:p>
+            <a:r>
+              <a:rPr b="0" lang="en-US" sz="1400" spc="-1" strike="noStrike">
+                <a:solidFill>
+                  <a:srgbClr val="000000"/>
+                </a:solidFill>
+                <a:uFill>
+                  <a:solidFill>
+                    <a:srgbClr val="ffffff"/>
+                  </a:solidFill>
+                </a:uFill>
+                <a:latin typeface="ＭＳ ゴシック"/>
+              </a:rPr>
+              <a:t>account.VMHost.Test.password  = 'P@ssword'</a:t>
+            </a:r>
+            <a:endParaRPr b="0" lang="en-US" sz="1400" spc="-1" strike="noStrike">
+              <a:solidFill>
+                <a:srgbClr val="000000"/>
+              </a:solidFill>
+              <a:uFill>
+                <a:solidFill>
+                  <a:srgbClr val="ffffff"/>
+                </a:solidFill>
+              </a:uFill>
+              <a:latin typeface="ＭＳ ゴシック"/>
+              <a:ea typeface="ＭＳ ゴシック"/>
+            </a:endParaRPr>
+          </a:p>
+          <a:p>
+            <a:endParaRPr b="0" lang="en-US" sz="1400" spc="-1" strike="noStrike">
+              <a:solidFill>
+                <a:srgbClr val="000000"/>
+              </a:solidFill>
+              <a:uFill>
+                <a:solidFill>
+                  <a:srgbClr val="ffffff"/>
+                </a:solidFill>
+              </a:uFill>
+              <a:latin typeface="ＭＳ ゴシック"/>
+              <a:ea typeface="ＭＳ ゴシック"/>
+            </a:endParaRPr>
+          </a:p>
+        </p:txBody>
+      </p:sp>
+    </p:spTree>
+  </p:cSld>
+  <p:timing>
+    <p:tnLst>
+      <p:par>
+        <p:cTn id="73" dur="indefinite" restart="never" nodeType="tmRoot">
+          <p:childTnLst>
+            <p:seq>
+              <p:cTn id="74" nodeType="mainSeq"/>
+              <p:prevCondLst>
+                <p:cond delay="0" evt="onPrev">
+                  <p:tgtEl>
+                    <p:sldTgt/>
+                  </p:tgtEl>
+                </p:cond>
+              </p:prevCondLst>
+              <p:nextCondLst>
+                <p:cond delay="0" evt="onNext">
+                  <p:tgtEl>
+                    <p:sldTgt/>
+                  </p:tgtEl>
+                </p:cond>
+              </p:nextCondLst>
+            </p:seq>
+          </p:childTnLst>
+        </p:cTn>
+      </p:par>
+    </p:tnLst>
+  </p:timing>
+</p:sld>
+</file>
+
+<file path=ppt/slides/slide38.xml><?xml version="1.0" encoding="utf-8"?>
+<p:sld xmlns:a="http://schemas.openxmlformats.org/drawingml/2006/main" xmlns:p="http://schemas.openxmlformats.org/presentationml/2006/main" xmlns:r="http://schemas.openxmlformats.org/officeDocument/2006/relationships" xmlns:p14="http://schemas.microsoft.com/office/powerpoint/2010/main" xmlns:p15="http://schemas.microsoft.com/office/powerpoint/2012/main" xmlns:mc="http://schemas.openxmlformats.org/markup-compatibility/2006">
+  <p:cSld>
+    <p:spTree>
+      <p:nvGrpSpPr>
+        <p:cNvPr id="1" name=""/>
+        <p:cNvGrpSpPr/>
+        <p:nvPr/>
+      </p:nvGrpSpPr>
+      <p:grpSpPr>
+        <a:xfrm>
+          <a:off x="0" y="0"/>
+          <a:ext cx="0" cy="0"/>
+          <a:chOff x="0" y="0"/>
+          <a:chExt cx="0" cy="0"/>
+        </a:xfrm>
+      </p:grpSpPr>
+      <p:sp>
+        <p:nvSpPr>
+          <p:cNvPr id="265" name="TextShape 1"/>
+          <p:cNvSpPr txBox="1"/>
+          <p:nvPr/>
+        </p:nvSpPr>
+        <p:spPr>
+          <a:xfrm>
+            <a:off x="504000" y="301320"/>
+            <a:ext cx="9072000" cy="1261800"/>
+          </a:xfrm>
+          <a:prstGeom prst="rect">
+            <a:avLst/>
+          </a:prstGeom>
+          <a:noFill/>
+          <a:ln>
+            <a:noFill/>
+          </a:ln>
+        </p:spPr>
+        <p:txBody>
+          <a:bodyPr lIns="0" rIns="0" tIns="0" bIns="0" anchor="ctr"/>
+          <a:p>
+            <a:pPr algn="ctr"/>
+            <a:r>
+              <a:rPr b="0" lang="en-US" sz="4400" spc="-1" strike="noStrike">
+                <a:solidFill>
+                  <a:srgbClr val="000000"/>
+                </a:solidFill>
+                <a:uFill>
+                  <a:solidFill>
+                    <a:srgbClr val="ffffff"/>
+                  </a:solidFill>
+                </a:uFill>
+                <a:latin typeface="Meiryo UI"/>
+              </a:rPr>
+              <a:t>ESXi</a:t>
+            </a:r>
+            <a:r>
+              <a:rPr b="0" lang="en-US" sz="4400" spc="-1" strike="noStrike">
+                <a:solidFill>
+                  <a:srgbClr val="000000"/>
+                </a:solidFill>
+                <a:uFill>
+                  <a:solidFill>
+                    <a:srgbClr val="ffffff"/>
+                  </a:solidFill>
+                </a:uFill>
+                <a:latin typeface="Meiryo UI"/>
+              </a:rPr>
+              <a:t>ホスト検査実行</a:t>
+            </a:r>
+            <a:r>
+              <a:rPr b="0" lang="en-US" sz="4400" spc="-1" strike="noStrike">
+                <a:solidFill>
+                  <a:srgbClr val="000000"/>
+                </a:solidFill>
+                <a:uFill>
+                  <a:solidFill>
+                    <a:srgbClr val="ffffff"/>
+                  </a:solidFill>
+                </a:uFill>
+                <a:latin typeface="Meiryo UI"/>
+              </a:rPr>
+              <a:t>1</a:t>
+            </a:r>
+            <a:endParaRPr b="0" lang="en-US" sz="4400" spc="-1" strike="noStrike">
+              <a:solidFill>
+                <a:srgbClr val="000000"/>
+              </a:solidFill>
+              <a:uFill>
+                <a:solidFill>
+                  <a:srgbClr val="ffffff"/>
+                </a:solidFill>
+              </a:uFill>
+              <a:latin typeface="Meiryo UI"/>
+            </a:endParaRPr>
+          </a:p>
+        </p:txBody>
+      </p:sp>
+      <p:sp>
+        <p:nvSpPr>
+          <p:cNvPr id="266" name="TextShape 2"/>
+          <p:cNvSpPr txBox="1"/>
+          <p:nvPr/>
+        </p:nvSpPr>
+        <p:spPr>
+          <a:xfrm>
+            <a:off x="504000" y="1768680"/>
+            <a:ext cx="9072000" cy="607320"/>
+          </a:xfrm>
+          <a:prstGeom prst="rect">
+            <a:avLst/>
+          </a:prstGeom>
+          <a:noFill/>
+          <a:ln>
+            <a:noFill/>
+          </a:ln>
+        </p:spPr>
+        <p:txBody>
+          <a:bodyPr lIns="0" rIns="0" tIns="0" bIns="0"/>
+          <a:p>
+            <a:pPr marL="432000" indent="-324000">
+              <a:buClr>
+                <a:srgbClr val="000000"/>
+              </a:buClr>
+              <a:buSzPct val="45000"/>
+              <a:buFont typeface="Wingdings" charset="2"/>
+              <a:buChar char=""/>
+            </a:pPr>
+            <a:r>
+              <a:rPr b="0" lang="en-US" sz="1800" spc="-1" strike="noStrike">
+                <a:solidFill>
+                  <a:srgbClr val="000000"/>
+                </a:solidFill>
+                <a:uFill>
+                  <a:solidFill>
+                    <a:srgbClr val="ffffff"/>
+                  </a:solidFill>
+                </a:uFill>
+                <a:latin typeface="Meiryo UI"/>
+              </a:rPr>
+              <a:t>PowerShell</a:t>
+            </a:r>
+            <a:r>
+              <a:rPr b="0" lang="en-US" sz="1800" spc="-1" strike="noStrike">
+                <a:solidFill>
+                  <a:srgbClr val="000000"/>
+                </a:solidFill>
+                <a:uFill>
+                  <a:solidFill>
+                    <a:srgbClr val="ffffff"/>
+                  </a:solidFill>
+                </a:uFill>
+                <a:latin typeface="Meiryo UI"/>
+              </a:rPr>
+              <a:t>を開いて、プロジェクトディレクトリに移動して、</a:t>
+            </a:r>
+            <a:r>
+              <a:rPr b="0" lang="en-US" sz="1800" spc="-1" strike="noStrike">
+                <a:solidFill>
+                  <a:srgbClr val="000000"/>
+                </a:solidFill>
+                <a:uFill>
+                  <a:solidFill>
+                    <a:srgbClr val="ffffff"/>
+                  </a:solidFill>
+                </a:uFill>
+                <a:latin typeface="Meiryo UI"/>
+              </a:rPr>
+              <a:t>getconfig </a:t>
+            </a:r>
+            <a:r>
+              <a:rPr b="0" lang="en-US" sz="1800" spc="-1" strike="noStrike">
+                <a:solidFill>
+                  <a:srgbClr val="000000"/>
+                </a:solidFill>
+                <a:uFill>
+                  <a:solidFill>
+                    <a:srgbClr val="ffffff"/>
+                  </a:solidFill>
+                </a:uFill>
+                <a:latin typeface="Meiryo UI"/>
+              </a:rPr>
+              <a:t>を実行します</a:t>
+            </a:r>
+            <a:endParaRPr b="0" lang="en-US" sz="1800" spc="-1" strike="noStrike">
+              <a:solidFill>
+                <a:srgbClr val="000000"/>
+              </a:solidFill>
+              <a:uFill>
+                <a:solidFill>
+                  <a:srgbClr val="ffffff"/>
+                </a:solidFill>
+              </a:uFill>
+              <a:latin typeface="Meiryo UI"/>
+            </a:endParaRPr>
+          </a:p>
+        </p:txBody>
+      </p:sp>
+      <p:pic>
+        <p:nvPicPr>
+          <p:cNvPr id="267" name="" descr=""/>
+          <p:cNvPicPr/>
+          <p:nvPr/>
+        </p:nvPicPr>
+        <p:blipFill>
+          <a:blip r:embed="rId1"/>
+          <a:stretch/>
+        </p:blipFill>
+        <p:spPr>
+          <a:xfrm>
+            <a:off x="936000" y="2232000"/>
+            <a:ext cx="8334360" cy="3966120"/>
+          </a:xfrm>
+          <a:prstGeom prst="rect">
+            <a:avLst/>
+          </a:prstGeom>
+          <a:ln w="36000">
+            <a:noFill/>
+          </a:ln>
+        </p:spPr>
+      </p:pic>
+    </p:spTree>
+  </p:cSld>
+  <p:timing>
+    <p:tnLst>
+      <p:par>
+        <p:cTn id="75" dur="indefinite" restart="never" nodeType="tmRoot">
+          <p:childTnLst>
+            <p:seq>
+              <p:cTn id="76" nodeType="mainSeq"/>
+              <p:prevCondLst>
+                <p:cond delay="0" evt="onPrev">
+                  <p:tgtEl>
+                    <p:sldTgt/>
+                  </p:tgtEl>
+                </p:cond>
+              </p:prevCondLst>
+              <p:nextCondLst>
+                <p:cond delay="0" evt="onNext">
+                  <p:tgtEl>
+                    <p:sldTgt/>
+                  </p:tgtEl>
+                </p:cond>
+              </p:nextCondLst>
+            </p:seq>
+          </p:childTnLst>
+        </p:cTn>
+      </p:par>
+    </p:tnLst>
+  </p:timing>
+</p:sld>
+</file>
+
+<file path=ppt/slides/slide39.xml><?xml version="1.0" encoding="utf-8"?>
+<p:sld xmlns:a="http://schemas.openxmlformats.org/drawingml/2006/main" xmlns:p="http://schemas.openxmlformats.org/presentationml/2006/main" xmlns:r="http://schemas.openxmlformats.org/officeDocument/2006/relationships" xmlns:p14="http://schemas.microsoft.com/office/powerpoint/2010/main" xmlns:p15="http://schemas.microsoft.com/office/powerpoint/2012/main" xmlns:mc="http://schemas.openxmlformats.org/markup-compatibility/2006">
+  <p:cSld>
+    <p:spTree>
+      <p:nvGrpSpPr>
+        <p:cNvPr id="1" name=""/>
+        <p:cNvGrpSpPr/>
+        <p:nvPr/>
+      </p:nvGrpSpPr>
+      <p:grpSpPr>
+        <a:xfrm>
+          <a:off x="0" y="0"/>
+          <a:ext cx="0" cy="0"/>
+          <a:chOff x="0" y="0"/>
+          <a:chExt cx="0" cy="0"/>
+        </a:xfrm>
+      </p:grpSpPr>
+      <p:sp>
+        <p:nvSpPr>
+          <p:cNvPr id="268" name="TextShape 1"/>
+          <p:cNvSpPr txBox="1"/>
+          <p:nvPr/>
+        </p:nvSpPr>
+        <p:spPr>
+          <a:xfrm>
+            <a:off x="504000" y="301320"/>
+            <a:ext cx="9072000" cy="1261800"/>
+          </a:xfrm>
+          <a:prstGeom prst="rect">
+            <a:avLst/>
+          </a:prstGeom>
+          <a:noFill/>
+          <a:ln>
+            <a:noFill/>
+          </a:ln>
+        </p:spPr>
+        <p:txBody>
+          <a:bodyPr lIns="0" rIns="0" tIns="0" bIns="0" anchor="ctr"/>
+          <a:p>
+            <a:pPr algn="ctr"/>
+            <a:r>
+              <a:rPr b="0" lang="en-US" sz="4400" spc="-1" strike="noStrike">
+                <a:solidFill>
+                  <a:srgbClr val="000000"/>
+                </a:solidFill>
+                <a:uFill>
+                  <a:solidFill>
+                    <a:srgbClr val="ffffff"/>
+                  </a:solidFill>
+                </a:uFill>
+                <a:latin typeface="Meiryo UI"/>
+              </a:rPr>
+              <a:t>ESXi</a:t>
+            </a:r>
+            <a:r>
+              <a:rPr b="0" lang="en-US" sz="4400" spc="-1" strike="noStrike">
+                <a:solidFill>
+                  <a:srgbClr val="000000"/>
+                </a:solidFill>
+                <a:uFill>
+                  <a:solidFill>
+                    <a:srgbClr val="ffffff"/>
+                  </a:solidFill>
+                </a:uFill>
+                <a:latin typeface="Meiryo UI"/>
+              </a:rPr>
+              <a:t>ホスト検査実行</a:t>
+            </a:r>
+            <a:r>
+              <a:rPr b="0" lang="en-US" sz="4400" spc="-1" strike="noStrike">
+                <a:solidFill>
+                  <a:srgbClr val="000000"/>
+                </a:solidFill>
+                <a:uFill>
+                  <a:solidFill>
+                    <a:srgbClr val="ffffff"/>
+                  </a:solidFill>
+                </a:uFill>
+                <a:latin typeface="Meiryo UI"/>
+              </a:rPr>
+              <a:t>2</a:t>
+            </a:r>
+            <a:endParaRPr b="0" lang="en-US" sz="4400" spc="-1" strike="noStrike">
+              <a:solidFill>
+                <a:srgbClr val="000000"/>
+              </a:solidFill>
+              <a:uFill>
+                <a:solidFill>
+                  <a:srgbClr val="ffffff"/>
+                </a:solidFill>
+              </a:uFill>
+              <a:latin typeface="Meiryo UI"/>
+            </a:endParaRPr>
+          </a:p>
+        </p:txBody>
+      </p:sp>
+      <p:sp>
+        <p:nvSpPr>
+          <p:cNvPr id="269" name="TextShape 2"/>
+          <p:cNvSpPr txBox="1"/>
+          <p:nvPr/>
+        </p:nvSpPr>
+        <p:spPr>
+          <a:xfrm>
+            <a:off x="504000" y="4648680"/>
+            <a:ext cx="9072000" cy="607320"/>
+          </a:xfrm>
+          <a:prstGeom prst="rect">
+            <a:avLst/>
+          </a:prstGeom>
+          <a:noFill/>
+          <a:ln>
+            <a:noFill/>
+          </a:ln>
+        </p:spPr>
+        <p:txBody>
+          <a:bodyPr lIns="0" rIns="0" tIns="0" bIns="0"/>
+          <a:p>
+            <a:pPr marL="432000" indent="-324000">
+              <a:buClr>
+                <a:srgbClr val="000000"/>
+              </a:buClr>
+              <a:buSzPct val="45000"/>
+              <a:buFont typeface="Wingdings" charset="2"/>
+              <a:buChar char=""/>
+            </a:pPr>
+            <a:r>
+              <a:rPr b="0" lang="en-US" sz="1800" spc="-1" strike="noStrike">
+                <a:solidFill>
+                  <a:srgbClr val="000000"/>
+                </a:solidFill>
+                <a:uFill>
+                  <a:solidFill>
+                    <a:srgbClr val="ffffff"/>
+                  </a:solidFill>
+                </a:uFill>
+                <a:latin typeface="Meiryo UI"/>
+              </a:rPr>
+              <a:t>Excel</a:t>
+            </a:r>
+            <a:r>
+              <a:rPr b="0" lang="en-US" sz="1800" spc="-1" strike="noStrike">
+                <a:solidFill>
+                  <a:srgbClr val="000000"/>
+                </a:solidFill>
+                <a:uFill>
+                  <a:solidFill>
+                    <a:srgbClr val="ffffff"/>
+                  </a:solidFill>
+                </a:uFill>
+                <a:latin typeface="Meiryo UI"/>
+              </a:rPr>
+              <a:t>検査結果の確認ができたら”</a:t>
+            </a:r>
+            <a:r>
+              <a:rPr b="0" lang="en-US" sz="1800" spc="-1" strike="noStrike">
+                <a:solidFill>
+                  <a:srgbClr val="000000"/>
+                </a:solidFill>
+                <a:uFill>
+                  <a:solidFill>
+                    <a:srgbClr val="ffffff"/>
+                  </a:solidFill>
+                </a:uFill>
+                <a:latin typeface="Meiryo UI"/>
+              </a:rPr>
+              <a:t>getconfig -u local”</a:t>
+            </a:r>
+            <a:r>
+              <a:rPr b="0" lang="en-US" sz="1800" spc="-1" strike="noStrike">
+                <a:solidFill>
+                  <a:srgbClr val="000000"/>
+                </a:solidFill>
+                <a:uFill>
+                  <a:solidFill>
+                    <a:srgbClr val="ffffff"/>
+                  </a:solidFill>
+                </a:uFill>
+                <a:latin typeface="Meiryo UI"/>
+              </a:rPr>
+              <a:t>でローカルデータベースに検査結果を登録します</a:t>
+            </a:r>
+            <a:endParaRPr b="0" lang="en-US" sz="1800" spc="-1" strike="noStrike">
+              <a:solidFill>
+                <a:srgbClr val="000000"/>
+              </a:solidFill>
+              <a:uFill>
+                <a:solidFill>
+                  <a:srgbClr val="ffffff"/>
+                </a:solidFill>
+              </a:uFill>
+              <a:latin typeface="Meiryo UI"/>
+            </a:endParaRPr>
+          </a:p>
+        </p:txBody>
+      </p:sp>
+      <p:pic>
+        <p:nvPicPr>
+          <p:cNvPr id="270" name="" descr=""/>
+          <p:cNvPicPr/>
+          <p:nvPr/>
+        </p:nvPicPr>
+        <p:blipFill>
+          <a:blip r:embed="rId1"/>
+          <a:stretch/>
+        </p:blipFill>
+        <p:spPr>
+          <a:xfrm>
+            <a:off x="864000" y="5326560"/>
+            <a:ext cx="7452360" cy="1153440"/>
+          </a:xfrm>
+          <a:prstGeom prst="rect">
+            <a:avLst/>
+          </a:prstGeom>
+          <a:ln w="36000">
+            <a:noFill/>
+          </a:ln>
+        </p:spPr>
+      </p:pic>
+      <p:sp>
+        <p:nvSpPr>
+          <p:cNvPr id="271" name="TextShape 3"/>
+          <p:cNvSpPr txBox="1"/>
+          <p:nvPr/>
+        </p:nvSpPr>
+        <p:spPr>
+          <a:xfrm>
+            <a:off x="504000" y="1656000"/>
+            <a:ext cx="9072000" cy="607320"/>
+          </a:xfrm>
+          <a:prstGeom prst="rect">
+            <a:avLst/>
+          </a:prstGeom>
+          <a:noFill/>
+          <a:ln>
+            <a:noFill/>
+          </a:ln>
+        </p:spPr>
+        <p:txBody>
+          <a:bodyPr lIns="0" rIns="0" tIns="0" bIns="0"/>
+          <a:p>
+            <a:pPr marL="432000" indent="-324000">
+              <a:buClr>
+                <a:srgbClr val="000000"/>
+              </a:buClr>
+              <a:buSzPct val="45000"/>
+              <a:buFont typeface="Wingdings" charset="2"/>
+              <a:buChar char=""/>
+            </a:pPr>
+            <a:r>
+              <a:rPr b="0" lang="en-US" sz="1800" spc="-1" strike="noStrike">
+                <a:solidFill>
+                  <a:srgbClr val="000000"/>
+                </a:solidFill>
+                <a:uFill>
+                  <a:solidFill>
+                    <a:srgbClr val="ffffff"/>
+                  </a:solidFill>
+                </a:uFill>
+                <a:latin typeface="Meiryo UI"/>
+              </a:rPr>
+              <a:t>実行後、プロジェクトディレクトリ下の</a:t>
+            </a:r>
+            <a:r>
+              <a:rPr b="0" lang="en-US" sz="1800" spc="-1" strike="noStrike">
+                <a:solidFill>
+                  <a:srgbClr val="000000"/>
+                </a:solidFill>
+                <a:uFill>
+                  <a:solidFill>
+                    <a:srgbClr val="ffffff"/>
+                  </a:solidFill>
+                </a:uFill>
+                <a:latin typeface="Meiryo UI"/>
+              </a:rPr>
+              <a:t>build</a:t>
+            </a:r>
+            <a:r>
+              <a:rPr b="0" lang="en-US" sz="1800" spc="-1" strike="noStrike">
+                <a:solidFill>
+                  <a:srgbClr val="000000"/>
+                </a:solidFill>
+                <a:uFill>
+                  <a:solidFill>
+                    <a:srgbClr val="ffffff"/>
+                  </a:solidFill>
+                </a:uFill>
+                <a:latin typeface="Meiryo UI"/>
+              </a:rPr>
+              <a:t>の下に生成された</a:t>
+            </a:r>
+            <a:r>
+              <a:rPr b="0" lang="en-US" sz="1800" spc="-1" strike="noStrike">
+                <a:solidFill>
+                  <a:srgbClr val="000000"/>
+                </a:solidFill>
+                <a:uFill>
+                  <a:solidFill>
+                    <a:srgbClr val="ffffff"/>
+                  </a:solidFill>
+                </a:uFill>
+                <a:latin typeface="Meiryo UI"/>
+              </a:rPr>
+              <a:t>Excel</a:t>
+            </a:r>
+            <a:r>
+              <a:rPr b="0" lang="en-US" sz="1800" spc="-1" strike="noStrike">
+                <a:solidFill>
+                  <a:srgbClr val="000000"/>
+                </a:solidFill>
+                <a:uFill>
+                  <a:solidFill>
+                    <a:srgbClr val="ffffff"/>
+                  </a:solidFill>
+                </a:uFill>
+                <a:latin typeface="Meiryo UI"/>
+              </a:rPr>
+              <a:t>検査結果を開いて結果を確認します</a:t>
+            </a:r>
+            <a:endParaRPr b="0" lang="en-US" sz="1800" spc="-1" strike="noStrike">
+              <a:solidFill>
+                <a:srgbClr val="000000"/>
+              </a:solidFill>
+              <a:uFill>
+                <a:solidFill>
+                  <a:srgbClr val="ffffff"/>
+                </a:solidFill>
+              </a:uFill>
+              <a:latin typeface="Meiryo UI"/>
+            </a:endParaRPr>
+          </a:p>
+        </p:txBody>
+      </p:sp>
+      <p:pic>
+        <p:nvPicPr>
+          <p:cNvPr id="272" name="" descr=""/>
+          <p:cNvPicPr/>
+          <p:nvPr/>
+        </p:nvPicPr>
+        <p:blipFill>
+          <a:blip r:embed="rId2"/>
+          <a:stretch/>
+        </p:blipFill>
+        <p:spPr>
+          <a:xfrm>
+            <a:off x="822600" y="2304720"/>
+            <a:ext cx="6017400" cy="2159280"/>
+          </a:xfrm>
+          <a:prstGeom prst="rect">
+            <a:avLst/>
+          </a:prstGeom>
+          <a:ln w="36000">
+            <a:noFill/>
+          </a:ln>
+        </p:spPr>
+      </p:pic>
+    </p:spTree>
+  </p:cSld>
+  <p:timing>
+    <p:tnLst>
+      <p:par>
+        <p:cTn id="77" dur="indefinite" restart="never" nodeType="tmRoot">
+          <p:childTnLst>
+            <p:seq>
+              <p:cTn id="78" nodeType="mainSeq"/>
               <p:prevCondLst>
                 <p:cond delay="0" evt="onPrev">
                   <p:tgtEl>
